--- a/docs/Primjena transformer modela za klasifikaciju slika.pptx
+++ b/docs/Primjena transformer modela za klasifikaciju slika.pptx
@@ -5,7 +5,7 @@
     <p:sldMasterId id="2147483648" r:id="rId1"/>
   </p:sldMasterIdLst>
   <p:notesMasterIdLst>
-    <p:notesMasterId r:id="rId12"/>
+    <p:notesMasterId r:id="rId14"/>
   </p:notesMasterIdLst>
   <p:sldIdLst>
     <p:sldId id="256" r:id="rId2"/>
@@ -17,7 +17,9 @@
     <p:sldId id="269" r:id="rId8"/>
     <p:sldId id="265" r:id="rId9"/>
     <p:sldId id="266" r:id="rId10"/>
-    <p:sldId id="267" r:id="rId11"/>
+    <p:sldId id="270" r:id="rId11"/>
+    <p:sldId id="271" r:id="rId12"/>
+    <p:sldId id="267" r:id="rId13"/>
   </p:sldIdLst>
   <p:sldSz cx="12192000" cy="6858000"/>
   <p:notesSz cx="6858000" cy="9144000"/>
@@ -206,7 +208,7 @@
           <a:p>
             <a:fld id="{01D102C1-996D-4001-A429-DC563F08AB45}" type="datetimeFigureOut">
               <a:rPr lang="en-GB" smtClean="0"/>
-              <a:t>11/05/2023</a:t>
+              <a:t>02/06/2023</a:t>
             </a:fld>
             <a:endParaRPr lang="en-GB"/>
           </a:p>
@@ -605,7 +607,7 @@
           <a:p>
             <a:fld id="{C2484AEF-9C1C-4096-8AE6-7F064857CC71}" type="datetime1">
               <a:rPr lang="en-GB" smtClean="0"/>
-              <a:t>11/05/2023</a:t>
+              <a:t>02/06/2023</a:t>
             </a:fld>
             <a:endParaRPr lang="en-GB"/>
           </a:p>
@@ -775,7 +777,7 @@
           <a:p>
             <a:fld id="{D18C8736-6E29-4AEE-88D6-EFAB50F42B7D}" type="datetime1">
               <a:rPr lang="en-GB" smtClean="0"/>
-              <a:t>11/05/2023</a:t>
+              <a:t>02/06/2023</a:t>
             </a:fld>
             <a:endParaRPr lang="en-GB"/>
           </a:p>
@@ -955,7 +957,7 @@
           <a:p>
             <a:fld id="{421E325C-E8BE-4286-A4F9-E204F18FDBD9}" type="datetime1">
               <a:rPr lang="en-GB" smtClean="0"/>
-              <a:t>11/05/2023</a:t>
+              <a:t>02/06/2023</a:t>
             </a:fld>
             <a:endParaRPr lang="en-GB"/>
           </a:p>
@@ -1125,7 +1127,7 @@
           <a:p>
             <a:fld id="{D19615E5-6587-4928-9C7F-8519A8D9DBC6}" type="datetime1">
               <a:rPr lang="en-GB" smtClean="0"/>
-              <a:t>11/05/2023</a:t>
+              <a:t>02/06/2023</a:t>
             </a:fld>
             <a:endParaRPr lang="en-GB"/>
           </a:p>
@@ -1371,7 +1373,7 @@
           <a:p>
             <a:fld id="{3402C1B2-EF22-4238-9252-4233BA151F3B}" type="datetime1">
               <a:rPr lang="en-GB" smtClean="0"/>
-              <a:t>11/05/2023</a:t>
+              <a:t>02/06/2023</a:t>
             </a:fld>
             <a:endParaRPr lang="en-GB"/>
           </a:p>
@@ -1603,7 +1605,7 @@
           <a:p>
             <a:fld id="{05AE1B65-D6F6-495F-8E92-2370878B9E7A}" type="datetime1">
               <a:rPr lang="en-GB" smtClean="0"/>
-              <a:t>11/05/2023</a:t>
+              <a:t>02/06/2023</a:t>
             </a:fld>
             <a:endParaRPr lang="en-GB"/>
           </a:p>
@@ -1970,7 +1972,7 @@
           <a:p>
             <a:fld id="{9A5A1892-6AF7-4DF8-A035-48596E2BEAA2}" type="datetime1">
               <a:rPr lang="en-GB" smtClean="0"/>
-              <a:t>11/05/2023</a:t>
+              <a:t>02/06/2023</a:t>
             </a:fld>
             <a:endParaRPr lang="en-GB"/>
           </a:p>
@@ -2088,7 +2090,7 @@
           <a:p>
             <a:fld id="{0964915C-413A-4749-9022-DD4D814E6495}" type="datetime1">
               <a:rPr lang="en-GB" smtClean="0"/>
-              <a:t>11/05/2023</a:t>
+              <a:t>02/06/2023</a:t>
             </a:fld>
             <a:endParaRPr lang="en-GB"/>
           </a:p>
@@ -2183,7 +2185,7 @@
           <a:p>
             <a:fld id="{4849FA9F-5775-464C-B318-BC3BE78AB0C5}" type="datetime1">
               <a:rPr lang="en-GB" smtClean="0"/>
-              <a:t>11/05/2023</a:t>
+              <a:t>02/06/2023</a:t>
             </a:fld>
             <a:endParaRPr lang="en-GB"/>
           </a:p>
@@ -2460,7 +2462,7 @@
           <a:p>
             <a:fld id="{723D156C-4CB0-4EBE-A5A6-CAE86B036B2E}" type="datetime1">
               <a:rPr lang="en-GB" smtClean="0"/>
-              <a:t>11/05/2023</a:t>
+              <a:t>02/06/2023</a:t>
             </a:fld>
             <a:endParaRPr lang="en-GB"/>
           </a:p>
@@ -2713,7 +2715,7 @@
           <a:p>
             <a:fld id="{5B586F82-6512-4015-8716-048EF7050D6C}" type="datetime1">
               <a:rPr lang="en-GB" smtClean="0"/>
-              <a:t>11/05/2023</a:t>
+              <a:t>02/06/2023</a:t>
             </a:fld>
             <a:endParaRPr lang="en-GB"/>
           </a:p>
@@ -2926,7 +2928,7 @@
           <a:p>
             <a:fld id="{294FEAF7-EE2A-4B36-AF6D-84308BED4EA9}" type="datetime1">
               <a:rPr lang="en-GB" smtClean="0"/>
-              <a:t>11/05/2023</a:t>
+              <a:t>02/06/2023</a:t>
             </a:fld>
             <a:endParaRPr lang="en-GB"/>
           </a:p>
@@ -3454,6 +3456,522 @@
           <a:bodyPr/>
           <a:lstStyle/>
           <a:p>
+            <a:r>
+              <a:rPr lang="hr-HR" dirty="0" smtClean="0"/>
+              <a:t>Primjer – točna klasifikacija</a:t>
+            </a:r>
+            <a:endParaRPr lang="en-GB" dirty="0"/>
+          </a:p>
+        </p:txBody>
+      </p:sp>
+      <p:sp>
+        <p:nvSpPr>
+          <p:cNvPr id="3" name="Content Placeholder 2"/>
+          <p:cNvSpPr>
+            <a:spLocks noGrp="1"/>
+          </p:cNvSpPr>
+          <p:nvPr>
+            <p:ph idx="1"/>
+          </p:nvPr>
+        </p:nvSpPr>
+        <p:spPr>
+          <a:xfrm>
+            <a:off x="838200" y="1491708"/>
+            <a:ext cx="10515600" cy="4351338"/>
+          </a:xfrm>
+        </p:spPr>
+        <p:txBody>
+          <a:bodyPr/>
+          <a:lstStyle/>
+          <a:p>
+            <a:r>
+              <a:rPr lang="hr-HR" dirty="0" smtClean="0"/>
+              <a:t>Algoritam GradCAM</a:t>
+            </a:r>
+          </a:p>
+          <a:p>
+            <a:r>
+              <a:rPr lang="hr-HR" dirty="0" smtClean="0"/>
+              <a:t>Klasa: divlje</a:t>
+            </a:r>
+          </a:p>
+          <a:p>
+            <a:endParaRPr lang="en-GB" dirty="0"/>
+          </a:p>
+        </p:txBody>
+      </p:sp>
+      <p:sp>
+        <p:nvSpPr>
+          <p:cNvPr id="4" name="Slide Number Placeholder 3"/>
+          <p:cNvSpPr>
+            <a:spLocks noGrp="1"/>
+          </p:cNvSpPr>
+          <p:nvPr>
+            <p:ph type="sldNum" sz="quarter" idx="12"/>
+          </p:nvPr>
+        </p:nvSpPr>
+        <p:spPr/>
+        <p:txBody>
+          <a:bodyPr/>
+          <a:lstStyle/>
+          <a:p>
+            <a:fld id="{D1B77565-3581-4805-B726-EB170CD047F7}" type="slidenum">
+              <a:rPr lang="en-GB" smtClean="0"/>
+              <a:t>10</a:t>
+            </a:fld>
+            <a:endParaRPr lang="en-GB"/>
+          </a:p>
+        </p:txBody>
+      </p:sp>
+      <p:pic>
+        <p:nvPicPr>
+          <p:cNvPr id="5" name="Picture 4"/>
+          <p:cNvPicPr>
+            <a:picLocks noChangeAspect="1"/>
+          </p:cNvPicPr>
+          <p:nvPr/>
+        </p:nvPicPr>
+        <p:blipFill>
+          <a:blip r:embed="rId2" cstate="print">
+            <a:extLst>
+              <a:ext uri="{28A0092B-C50C-407E-A947-70E740481C1C}">
+                <a14:useLocalDpi xmlns:a14="http://schemas.microsoft.com/office/drawing/2010/main" val="0"/>
+              </a:ext>
+            </a:extLst>
+          </a:blip>
+          <a:stretch>
+            <a:fillRect/>
+          </a:stretch>
+        </p:blipFill>
+        <p:spPr>
+          <a:xfrm>
+            <a:off x="2542919" y="2585625"/>
+            <a:ext cx="7106162" cy="1579147"/>
+          </a:xfrm>
+          <a:prstGeom prst="rect">
+            <a:avLst/>
+          </a:prstGeom>
+        </p:spPr>
+      </p:pic>
+      <p:pic>
+        <p:nvPicPr>
+          <p:cNvPr id="6" name="Picture 5"/>
+          <p:cNvPicPr>
+            <a:picLocks noChangeAspect="1"/>
+          </p:cNvPicPr>
+          <p:nvPr/>
+        </p:nvPicPr>
+        <p:blipFill>
+          <a:blip r:embed="rId3">
+            <a:extLst>
+              <a:ext uri="{28A0092B-C50C-407E-A947-70E740481C1C}">
+                <a14:useLocalDpi xmlns:a14="http://schemas.microsoft.com/office/drawing/2010/main" val="0"/>
+              </a:ext>
+            </a:extLst>
+          </a:blip>
+          <a:stretch>
+            <a:fillRect/>
+          </a:stretch>
+        </p:blipFill>
+        <p:spPr>
+          <a:xfrm>
+            <a:off x="2542919" y="4164772"/>
+            <a:ext cx="7106162" cy="1579147"/>
+          </a:xfrm>
+          <a:prstGeom prst="rect">
+            <a:avLst/>
+          </a:prstGeom>
+        </p:spPr>
+      </p:pic>
+      <p:sp>
+        <p:nvSpPr>
+          <p:cNvPr id="7" name="TextBox 6"/>
+          <p:cNvSpPr txBox="1"/>
+          <p:nvPr/>
+        </p:nvSpPr>
+        <p:spPr>
+          <a:xfrm>
+            <a:off x="3426941" y="5843046"/>
+            <a:ext cx="757881" cy="369332"/>
+          </a:xfrm>
+          <a:prstGeom prst="rect">
+            <a:avLst/>
+          </a:prstGeom>
+          <a:noFill/>
+        </p:spPr>
+        <p:txBody>
+          <a:bodyPr wrap="square" rtlCol="0">
+            <a:spAutoFit/>
+          </a:bodyPr>
+          <a:lstStyle/>
+          <a:p>
+            <a:r>
+              <a:rPr lang="hr-HR" dirty="0" smtClean="0"/>
+              <a:t>divlje</a:t>
+            </a:r>
+            <a:endParaRPr lang="en-GB" dirty="0"/>
+          </a:p>
+        </p:txBody>
+      </p:sp>
+      <p:sp>
+        <p:nvSpPr>
+          <p:cNvPr id="8" name="TextBox 7"/>
+          <p:cNvSpPr txBox="1"/>
+          <p:nvPr/>
+        </p:nvSpPr>
+        <p:spPr>
+          <a:xfrm>
+            <a:off x="5782962" y="5843046"/>
+            <a:ext cx="626076" cy="369332"/>
+          </a:xfrm>
+          <a:prstGeom prst="rect">
+            <a:avLst/>
+          </a:prstGeom>
+          <a:noFill/>
+        </p:spPr>
+        <p:txBody>
+          <a:bodyPr wrap="square" rtlCol="0">
+            <a:spAutoFit/>
+          </a:bodyPr>
+          <a:lstStyle/>
+          <a:p>
+            <a:r>
+              <a:rPr lang="hr-HR" dirty="0" smtClean="0"/>
+              <a:t>tuna</a:t>
+            </a:r>
+            <a:endParaRPr lang="en-GB" dirty="0"/>
+          </a:p>
+        </p:txBody>
+      </p:sp>
+      <p:sp>
+        <p:nvSpPr>
+          <p:cNvPr id="9" name="TextBox 8"/>
+          <p:cNvSpPr txBox="1"/>
+          <p:nvPr/>
+        </p:nvSpPr>
+        <p:spPr>
+          <a:xfrm>
+            <a:off x="8256373" y="5843046"/>
+            <a:ext cx="708454" cy="369332"/>
+          </a:xfrm>
+          <a:prstGeom prst="rect">
+            <a:avLst/>
+          </a:prstGeom>
+          <a:noFill/>
+        </p:spPr>
+        <p:txBody>
+          <a:bodyPr wrap="square" rtlCol="0">
+            <a:spAutoFit/>
+          </a:bodyPr>
+          <a:lstStyle/>
+          <a:p>
+            <a:r>
+              <a:rPr lang="hr-HR" dirty="0" smtClean="0"/>
+              <a:t>uzgoj</a:t>
+            </a:r>
+            <a:endParaRPr lang="en-GB" dirty="0"/>
+          </a:p>
+        </p:txBody>
+      </p:sp>
+    </p:spTree>
+    <p:extLst>
+      <p:ext uri="{BB962C8B-B14F-4D97-AF65-F5344CB8AC3E}">
+        <p14:creationId xmlns:p14="http://schemas.microsoft.com/office/powerpoint/2010/main" val="1755167040"/>
+      </p:ext>
+    </p:extLst>
+  </p:cSld>
+  <p:clrMapOvr>
+    <a:masterClrMapping/>
+  </p:clrMapOvr>
+</p:sld>
+</file>
+
+<file path=ppt/slides/slide11.xml><?xml version="1.0" encoding="utf-8"?>
+<p:sld xmlns:a="http://schemas.openxmlformats.org/drawingml/2006/main" xmlns:r="http://schemas.openxmlformats.org/officeDocument/2006/relationships" xmlns:p="http://schemas.openxmlformats.org/presentationml/2006/main">
+  <p:cSld>
+    <p:spTree>
+      <p:nvGrpSpPr>
+        <p:cNvPr id="1" name=""/>
+        <p:cNvGrpSpPr/>
+        <p:nvPr/>
+      </p:nvGrpSpPr>
+      <p:grpSpPr>
+        <a:xfrm>
+          <a:off x="0" y="0"/>
+          <a:ext cx="0" cy="0"/>
+          <a:chOff x="0" y="0"/>
+          <a:chExt cx="0" cy="0"/>
+        </a:xfrm>
+      </p:grpSpPr>
+      <p:sp>
+        <p:nvSpPr>
+          <p:cNvPr id="2" name="Title 1"/>
+          <p:cNvSpPr>
+            <a:spLocks noGrp="1"/>
+          </p:cNvSpPr>
+          <p:nvPr>
+            <p:ph type="title"/>
+          </p:nvPr>
+        </p:nvSpPr>
+        <p:spPr/>
+        <p:txBody>
+          <a:bodyPr/>
+          <a:lstStyle/>
+          <a:p>
+            <a:r>
+              <a:rPr lang="hr-HR" dirty="0" smtClean="0"/>
+              <a:t>Primjer – pogrešna klasifikacija</a:t>
+            </a:r>
+            <a:endParaRPr lang="en-GB" dirty="0"/>
+          </a:p>
+        </p:txBody>
+      </p:sp>
+      <p:sp>
+        <p:nvSpPr>
+          <p:cNvPr id="3" name="Content Placeholder 2"/>
+          <p:cNvSpPr>
+            <a:spLocks noGrp="1"/>
+          </p:cNvSpPr>
+          <p:nvPr>
+            <p:ph idx="1"/>
+          </p:nvPr>
+        </p:nvSpPr>
+        <p:spPr>
+          <a:xfrm>
+            <a:off x="838200" y="1520825"/>
+            <a:ext cx="10515600" cy="4351338"/>
+          </a:xfrm>
+        </p:spPr>
+        <p:txBody>
+          <a:bodyPr/>
+          <a:lstStyle/>
+          <a:p>
+            <a:r>
+              <a:rPr lang="hr-HR" dirty="0" smtClean="0"/>
+              <a:t>Klasa: uzgoj</a:t>
+            </a:r>
+            <a:endParaRPr lang="en-GB" dirty="0"/>
+          </a:p>
+        </p:txBody>
+      </p:sp>
+      <p:sp>
+        <p:nvSpPr>
+          <p:cNvPr id="4" name="Slide Number Placeholder 3"/>
+          <p:cNvSpPr>
+            <a:spLocks noGrp="1"/>
+          </p:cNvSpPr>
+          <p:nvPr>
+            <p:ph type="sldNum" sz="quarter" idx="12"/>
+          </p:nvPr>
+        </p:nvSpPr>
+        <p:spPr/>
+        <p:txBody>
+          <a:bodyPr/>
+          <a:lstStyle/>
+          <a:p>
+            <a:fld id="{D1B77565-3581-4805-B726-EB170CD047F7}" type="slidenum">
+              <a:rPr lang="en-GB" smtClean="0"/>
+              <a:t>11</a:t>
+            </a:fld>
+            <a:endParaRPr lang="en-GB"/>
+          </a:p>
+        </p:txBody>
+      </p:sp>
+      <p:pic>
+        <p:nvPicPr>
+          <p:cNvPr id="5" name="Picture 4"/>
+          <p:cNvPicPr>
+            <a:picLocks noChangeAspect="1"/>
+          </p:cNvPicPr>
+          <p:nvPr/>
+        </p:nvPicPr>
+        <p:blipFill>
+          <a:blip r:embed="rId2" cstate="print">
+            <a:extLst>
+              <a:ext uri="{28A0092B-C50C-407E-A947-70E740481C1C}">
+                <a14:useLocalDpi xmlns:a14="http://schemas.microsoft.com/office/drawing/2010/main" val="0"/>
+              </a:ext>
+            </a:extLst>
+          </a:blip>
+          <a:stretch>
+            <a:fillRect/>
+          </a:stretch>
+        </p:blipFill>
+        <p:spPr>
+          <a:xfrm>
+            <a:off x="2542800" y="2174875"/>
+            <a:ext cx="7106400" cy="1579200"/>
+          </a:xfrm>
+          <a:prstGeom prst="rect">
+            <a:avLst/>
+          </a:prstGeom>
+        </p:spPr>
+      </p:pic>
+      <p:pic>
+        <p:nvPicPr>
+          <p:cNvPr id="6" name="Picture 5"/>
+          <p:cNvPicPr>
+            <a:picLocks noChangeAspect="1"/>
+          </p:cNvPicPr>
+          <p:nvPr/>
+        </p:nvPicPr>
+        <p:blipFill>
+          <a:blip r:embed="rId3">
+            <a:extLst>
+              <a:ext uri="{28A0092B-C50C-407E-A947-70E740481C1C}">
+                <a14:useLocalDpi xmlns:a14="http://schemas.microsoft.com/office/drawing/2010/main" val="0"/>
+              </a:ext>
+            </a:extLst>
+          </a:blip>
+          <a:stretch>
+            <a:fillRect/>
+          </a:stretch>
+        </p:blipFill>
+        <p:spPr>
+          <a:xfrm>
+            <a:off x="2542800" y="3754075"/>
+            <a:ext cx="7106400" cy="1579200"/>
+          </a:xfrm>
+          <a:prstGeom prst="rect">
+            <a:avLst/>
+          </a:prstGeom>
+        </p:spPr>
+      </p:pic>
+      <p:sp>
+        <p:nvSpPr>
+          <p:cNvPr id="7" name="TextBox 6"/>
+          <p:cNvSpPr txBox="1"/>
+          <p:nvPr/>
+        </p:nvSpPr>
+        <p:spPr>
+          <a:xfrm>
+            <a:off x="3377514" y="5418053"/>
+            <a:ext cx="757881" cy="369332"/>
+          </a:xfrm>
+          <a:prstGeom prst="rect">
+            <a:avLst/>
+          </a:prstGeom>
+          <a:noFill/>
+        </p:spPr>
+        <p:txBody>
+          <a:bodyPr wrap="square" rtlCol="0">
+            <a:spAutoFit/>
+          </a:bodyPr>
+          <a:lstStyle/>
+          <a:p>
+            <a:r>
+              <a:rPr lang="hr-HR" dirty="0" smtClean="0"/>
+              <a:t>divlje</a:t>
+            </a:r>
+            <a:endParaRPr lang="en-GB" dirty="0"/>
+          </a:p>
+        </p:txBody>
+      </p:sp>
+      <p:sp>
+        <p:nvSpPr>
+          <p:cNvPr id="8" name="TextBox 7"/>
+          <p:cNvSpPr txBox="1"/>
+          <p:nvPr/>
+        </p:nvSpPr>
+        <p:spPr>
+          <a:xfrm>
+            <a:off x="5782962" y="5418053"/>
+            <a:ext cx="626076" cy="369332"/>
+          </a:xfrm>
+          <a:prstGeom prst="rect">
+            <a:avLst/>
+          </a:prstGeom>
+          <a:noFill/>
+        </p:spPr>
+        <p:txBody>
+          <a:bodyPr wrap="square" rtlCol="0">
+            <a:spAutoFit/>
+          </a:bodyPr>
+          <a:lstStyle/>
+          <a:p>
+            <a:r>
+              <a:rPr lang="hr-HR" dirty="0" smtClean="0"/>
+              <a:t>tuna</a:t>
+            </a:r>
+            <a:endParaRPr lang="en-GB" dirty="0"/>
+          </a:p>
+        </p:txBody>
+      </p:sp>
+      <p:sp>
+        <p:nvSpPr>
+          <p:cNvPr id="9" name="TextBox 8"/>
+          <p:cNvSpPr txBox="1"/>
+          <p:nvPr/>
+        </p:nvSpPr>
+        <p:spPr>
+          <a:xfrm>
+            <a:off x="8172965" y="5418053"/>
+            <a:ext cx="708454" cy="369332"/>
+          </a:xfrm>
+          <a:prstGeom prst="rect">
+            <a:avLst/>
+          </a:prstGeom>
+          <a:noFill/>
+        </p:spPr>
+        <p:txBody>
+          <a:bodyPr wrap="square" rtlCol="0">
+            <a:spAutoFit/>
+          </a:bodyPr>
+          <a:lstStyle/>
+          <a:p>
+            <a:r>
+              <a:rPr lang="hr-HR" dirty="0" smtClean="0"/>
+              <a:t>uzgoj</a:t>
+            </a:r>
+            <a:endParaRPr lang="en-GB" dirty="0"/>
+          </a:p>
+        </p:txBody>
+      </p:sp>
+    </p:spTree>
+    <p:extLst>
+      <p:ext uri="{BB962C8B-B14F-4D97-AF65-F5344CB8AC3E}">
+        <p14:creationId xmlns:p14="http://schemas.microsoft.com/office/powerpoint/2010/main" val="378046276"/>
+      </p:ext>
+    </p:extLst>
+  </p:cSld>
+  <p:clrMapOvr>
+    <a:masterClrMapping/>
+  </p:clrMapOvr>
+</p:sld>
+</file>
+
+<file path=ppt/slides/slide12.xml><?xml version="1.0" encoding="utf-8"?>
+<p:sld xmlns:a="http://schemas.openxmlformats.org/drawingml/2006/main" xmlns:r="http://schemas.openxmlformats.org/officeDocument/2006/relationships" xmlns:p="http://schemas.openxmlformats.org/presentationml/2006/main">
+  <p:cSld>
+    <p:spTree>
+      <p:nvGrpSpPr>
+        <p:cNvPr id="1" name=""/>
+        <p:cNvGrpSpPr/>
+        <p:nvPr/>
+      </p:nvGrpSpPr>
+      <p:grpSpPr>
+        <a:xfrm>
+          <a:off x="0" y="0"/>
+          <a:ext cx="0" cy="0"/>
+          <a:chOff x="0" y="0"/>
+          <a:chExt cx="0" cy="0"/>
+        </a:xfrm>
+      </p:grpSpPr>
+      <p:sp>
+        <p:nvSpPr>
+          <p:cNvPr id="2" name="Title 1"/>
+          <p:cNvSpPr>
+            <a:spLocks noGrp="1"/>
+          </p:cNvSpPr>
+          <p:nvPr>
+            <p:ph type="title"/>
+          </p:nvPr>
+        </p:nvSpPr>
+        <p:spPr/>
+        <p:txBody>
+          <a:bodyPr/>
+          <a:lstStyle/>
+          <a:p>
             <a:pPr algn="ctr"/>
             <a:r>
               <a:rPr lang="hr-HR" dirty="0" smtClean="0"/>
@@ -3510,22 +4028,13 @@
             </a:pPr>
             <a:r>
               <a:rPr lang="hr-HR" dirty="0" smtClean="0"/>
-              <a:t>Detekcija </a:t>
-            </a:r>
+              <a:t>Detekcija instanci</a:t>
+            </a:r>
+          </a:p>
+          <a:p>
             <a:r>
               <a:rPr lang="hr-HR" dirty="0" smtClean="0"/>
-              <a:t>instanci</a:t>
-            </a:r>
-            <a:endParaRPr lang="hr-HR" dirty="0" smtClean="0"/>
-          </a:p>
-          <a:p>
-            <a:r>
-              <a:rPr lang="hr-HR" dirty="0" smtClean="0"/>
-              <a:t>Prilagođavanje arhitekture transformer modela zadacima računalnog vida </a:t>
-            </a:r>
-            <a:r>
-              <a:rPr lang="hr-HR" dirty="0" smtClean="0"/>
-              <a:t>(npr. dodavanje konvolucija) =&gt; bolja pristranost modela</a:t>
+              <a:t>Prilagođavanje arhitekture transformer modela zadacima računalnog vida (npr. dodavanje konvolucija) =&gt; bolja pristranost modela</a:t>
             </a:r>
           </a:p>
         </p:txBody>
@@ -3547,7 +4056,7 @@
           <a:p>
             <a:fld id="{D1B77565-3581-4805-B726-EB170CD047F7}" type="slidenum">
               <a:rPr lang="en-GB" smtClean="0"/>
-              <a:t>10</a:t>
+              <a:t>12</a:t>
             </a:fld>
             <a:endParaRPr lang="en-GB" dirty="0"/>
           </a:p>
@@ -4079,11 +4588,7 @@
             </a:pPr>
             <a:r>
               <a:rPr lang="hr-HR" dirty="0" smtClean="0"/>
-              <a:t>Skup podataka </a:t>
-            </a:r>
-            <a:r>
-              <a:rPr lang="hr-HR" dirty="0" smtClean="0"/>
-              <a:t>Instituta za oceanografiju i ribarstvo</a:t>
+              <a:t>Skup podataka Instituta za oceanografiju i ribarstvo</a:t>
             </a:r>
           </a:p>
           <a:p>
@@ -4126,7 +4631,6 @@
               <a:rPr lang="hr-HR" dirty="0" smtClean="0"/>
               <a:t>3 klase: komorače iz uzgoja, divlje komorače, tune</a:t>
             </a:r>
-            <a:endParaRPr lang="hr-HR" dirty="0" smtClean="0"/>
           </a:p>
           <a:p>
             <a:r>
@@ -4650,8 +5154,8 @@
           <a:chExt cx="0" cy="0"/>
         </a:xfrm>
       </p:grpSpPr>
-      <mc:AlternateContent xmlns:mc="http://schemas.openxmlformats.org/markup-compatibility/2006">
-        <mc:Choice xmlns:a14="http://schemas.microsoft.com/office/drawing/2010/main" Requires="a14">
+      <mc:AlternateContent xmlns:mc="http://schemas.openxmlformats.org/markup-compatibility/2006" xmlns:a14="http://schemas.microsoft.com/office/drawing/2010/main">
+        <mc:Choice Requires="a14">
           <p:sp>
             <p:nvSpPr>
               <p:cNvPr id="6" name="Content Placeholder 4"/>
@@ -4988,11 +5492,7 @@
                 </a:r>
                 <a:r>
                   <a:rPr lang="en-GB" sz="2000" dirty="0" smtClean="0"/>
-                  <a:t>: </a:t>
-                </a:r>
-                <a:r>
-                  <a:rPr lang="en-GB" sz="2000" dirty="0" smtClean="0"/>
-                  <a:t>8</a:t>
+                  <a:t>: 8</a:t>
                 </a:r>
                 <a:endParaRPr lang="hr-HR" sz="2000" dirty="0" smtClean="0"/>
               </a:p>
@@ -5005,7 +5505,6 @@
                   <a:rPr lang="hr-HR" sz="2000" dirty="0" smtClean="0"/>
                   <a:t>Veličina isječka: 64</a:t>
                 </a:r>
-                <a:endParaRPr lang="hr-HR" sz="2000" dirty="0" smtClean="0"/>
               </a:p>
               <a:p>
                 <a:pPr marL="514350" indent="-514350">
@@ -5021,7 +5520,7 @@
             </p:txBody>
           </p:sp>
         </mc:Choice>
-        <mc:Fallback>
+        <mc:Fallback xmlns="">
           <p:sp>
             <p:nvSpPr>
               <p:cNvPr id="6" name="Content Placeholder 4"/>
@@ -5248,15 +5747,7 @@
           <a:p>
             <a:r>
               <a:rPr lang="hr-HR" dirty="0" smtClean="0"/>
-              <a:t>Učenje provedeno sa grafičkom procesnom jedinicom NVIDIA </a:t>
-            </a:r>
-            <a:r>
-              <a:rPr lang="hr-HR" dirty="0" smtClean="0"/>
-              <a:t>A100</a:t>
-            </a:r>
-            <a:r>
-              <a:rPr lang="hr-HR" dirty="0" smtClean="0"/>
-              <a:t>.</a:t>
+              <a:t>Učenje provedeno sa grafičkom procesnom jedinicom NVIDIA A100.</a:t>
             </a:r>
             <a:endParaRPr lang="en-GB" dirty="0"/>
           </a:p>
@@ -5325,13 +5816,13 @@
             <p:ph idx="1"/>
             <p:extLst>
               <p:ext uri="{D42A27DB-BD31-4B8C-83A1-F6EECF244321}">
-                <p14:modId xmlns:p14="http://schemas.microsoft.com/office/powerpoint/2010/main" val="3302984021"/>
+                <p14:modId xmlns:p14="http://schemas.microsoft.com/office/powerpoint/2010/main" val="3745879832"/>
               </p:ext>
             </p:extLst>
           </p:nvPr>
         </p:nvGraphicFramePr>
         <p:xfrm>
-          <a:off x="2104492" y="2817339"/>
+          <a:off x="2104492" y="4077728"/>
           <a:ext cx="7877708" cy="754903"/>
         </p:xfrm>
         <a:graphic>
@@ -5490,7 +5981,7 @@
                     <a:p>
                       <a:pPr algn="ctr"/>
                       <a:r>
-                        <a:rPr lang="hr-HR" smtClean="0"/>
+                        <a:rPr lang="hr-HR" dirty="0" smtClean="0"/>
                         <a:t>57.06%</a:t>
                       </a:r>
                       <a:endParaRPr lang="en-GB" dirty="0"/>
@@ -5516,7 +6007,7 @@
         </p:nvSpPr>
         <p:spPr>
           <a:xfrm>
-            <a:off x="3891055" y="3894748"/>
+            <a:off x="3891055" y="4924478"/>
             <a:ext cx="4304581" cy="369332"/>
           </a:xfrm>
           <a:prstGeom prst="rect">
@@ -5533,7 +6024,11 @@
             <a:pPr algn="ctr"/>
             <a:r>
               <a:rPr lang="hr-HR" dirty="0" smtClean="0"/>
-              <a:t>Rezultati na skupu za učenje</a:t>
+              <a:t>Rezultati na skupu za </a:t>
+            </a:r>
+            <a:r>
+              <a:rPr lang="hr-HR" dirty="0" smtClean="0"/>
+              <a:t>testiranje</a:t>
             </a:r>
             <a:endParaRPr lang="en-GB" dirty="0"/>
           </a:p>
@@ -5559,6 +6054,233 @@
               <a:t>9</a:t>
             </a:fld>
             <a:endParaRPr lang="en-GB"/>
+          </a:p>
+        </p:txBody>
+      </p:sp>
+      <p:graphicFrame>
+        <p:nvGraphicFramePr>
+          <p:cNvPr id="5" name="Content Placeholder 3"/>
+          <p:cNvGraphicFramePr>
+            <a:graphicFrameLocks/>
+          </p:cNvGraphicFramePr>
+          <p:nvPr>
+            <p:extLst>
+              <p:ext uri="{D42A27DB-BD31-4B8C-83A1-F6EECF244321}">
+                <p14:modId xmlns:p14="http://schemas.microsoft.com/office/powerpoint/2010/main" val="2604341737"/>
+              </p:ext>
+            </p:extLst>
+          </p:nvPr>
+        </p:nvGraphicFramePr>
+        <p:xfrm>
+          <a:off x="2104492" y="1370340"/>
+          <a:ext cx="7877708" cy="754903"/>
+        </p:xfrm>
+        <a:graphic>
+          <a:graphicData uri="http://schemas.openxmlformats.org/drawingml/2006/table">
+            <a:tbl>
+              <a:tblPr firstRow="1" bandRow="1">
+                <a:tableStyleId>{793D81CF-94F2-401A-BA57-92F5A7B2D0C5}</a:tableStyleId>
+              </a:tblPr>
+              <a:tblGrid>
+                <a:gridCol w="1969427">
+                  <a:extLst>
+                    <a:ext uri="{9D8B030D-6E8A-4147-A177-3AD203B41FA5}">
+                      <a16:colId xmlns:a16="http://schemas.microsoft.com/office/drawing/2014/main" val="3690517504"/>
+                    </a:ext>
+                  </a:extLst>
+                </a:gridCol>
+                <a:gridCol w="1969427">
+                  <a:extLst>
+                    <a:ext uri="{9D8B030D-6E8A-4147-A177-3AD203B41FA5}">
+                      <a16:colId xmlns:a16="http://schemas.microsoft.com/office/drawing/2014/main" val="847176668"/>
+                    </a:ext>
+                  </a:extLst>
+                </a:gridCol>
+                <a:gridCol w="1969427">
+                  <a:extLst>
+                    <a:ext uri="{9D8B030D-6E8A-4147-A177-3AD203B41FA5}">
+                      <a16:colId xmlns:a16="http://schemas.microsoft.com/office/drawing/2014/main" val="3380350978"/>
+                    </a:ext>
+                  </a:extLst>
+                </a:gridCol>
+                <a:gridCol w="1969427">
+                  <a:extLst>
+                    <a:ext uri="{9D8B030D-6E8A-4147-A177-3AD203B41FA5}">
+                      <a16:colId xmlns:a16="http://schemas.microsoft.com/office/drawing/2014/main" val="2759224112"/>
+                    </a:ext>
+                  </a:extLst>
+                </a:gridCol>
+              </a:tblGrid>
+              <a:tr h="372711">
+                <a:tc>
+                  <a:txBody>
+                    <a:bodyPr/>
+                    <a:lstStyle/>
+                    <a:p>
+                      <a:pPr algn="ctr"/>
+                      <a:r>
+                        <a:rPr lang="hr-HR" dirty="0" smtClean="0"/>
+                        <a:t>Točnost</a:t>
+                      </a:r>
+                      <a:endParaRPr lang="en-GB" dirty="0"/>
+                    </a:p>
+                  </a:txBody>
+                  <a:tcPr/>
+                </a:tc>
+                <a:tc>
+                  <a:txBody>
+                    <a:bodyPr/>
+                    <a:lstStyle/>
+                    <a:p>
+                      <a:pPr algn="ctr"/>
+                      <a:r>
+                        <a:rPr lang="hr-HR" dirty="0" smtClean="0"/>
+                        <a:t>Preciznost</a:t>
+                      </a:r>
+                      <a:endParaRPr lang="en-GB" dirty="0"/>
+                    </a:p>
+                  </a:txBody>
+                  <a:tcPr/>
+                </a:tc>
+                <a:tc>
+                  <a:txBody>
+                    <a:bodyPr/>
+                    <a:lstStyle/>
+                    <a:p>
+                      <a:pPr algn="ctr"/>
+                      <a:r>
+                        <a:rPr lang="hr-HR" dirty="0" smtClean="0"/>
+                        <a:t>Odziv</a:t>
+                      </a:r>
+                      <a:endParaRPr lang="en-GB" dirty="0"/>
+                    </a:p>
+                  </a:txBody>
+                  <a:tcPr/>
+                </a:tc>
+                <a:tc>
+                  <a:txBody>
+                    <a:bodyPr/>
+                    <a:lstStyle/>
+                    <a:p>
+                      <a:pPr algn="ctr"/>
+                      <a:r>
+                        <a:rPr lang="hr-HR" dirty="0" smtClean="0"/>
+                        <a:t>F1 mjera</a:t>
+                      </a:r>
+                      <a:endParaRPr lang="en-GB" dirty="0"/>
+                    </a:p>
+                  </a:txBody>
+                  <a:tcPr/>
+                </a:tc>
+                <a:extLst>
+                  <a:ext uri="{0D108BD9-81ED-4DB2-BD59-A6C34878D82A}">
+                    <a16:rowId xmlns:a16="http://schemas.microsoft.com/office/drawing/2014/main" val="1607387444"/>
+                  </a:ext>
+                </a:extLst>
+              </a:tr>
+              <a:tr h="382192">
+                <a:tc>
+                  <a:txBody>
+                    <a:bodyPr/>
+                    <a:lstStyle/>
+                    <a:p>
+                      <a:pPr algn="ctr"/>
+                      <a:r>
+                        <a:rPr lang="hr-HR" dirty="0" smtClean="0"/>
+                        <a:t>97.05%</a:t>
+                      </a:r>
+                      <a:endParaRPr lang="en-GB" dirty="0"/>
+                    </a:p>
+                  </a:txBody>
+                  <a:tcPr/>
+                </a:tc>
+                <a:tc>
+                  <a:txBody>
+                    <a:bodyPr/>
+                    <a:lstStyle/>
+                    <a:p>
+                      <a:pPr algn="ctr"/>
+                      <a:r>
+                        <a:rPr lang="hr-HR" dirty="0" smtClean="0"/>
+                        <a:t>97.04%</a:t>
+                      </a:r>
+                      <a:endParaRPr lang="en-GB" dirty="0"/>
+                    </a:p>
+                  </a:txBody>
+                  <a:tcPr/>
+                </a:tc>
+                <a:tc>
+                  <a:txBody>
+                    <a:bodyPr/>
+                    <a:lstStyle/>
+                    <a:p>
+                      <a:pPr algn="ctr"/>
+                      <a:r>
+                        <a:rPr lang="hr-HR" dirty="0" smtClean="0"/>
+                        <a:t>97.05%</a:t>
+                      </a:r>
+                      <a:endParaRPr lang="en-GB" dirty="0"/>
+                    </a:p>
+                  </a:txBody>
+                  <a:tcPr/>
+                </a:tc>
+                <a:tc>
+                  <a:txBody>
+                    <a:bodyPr/>
+                    <a:lstStyle/>
+                    <a:p>
+                      <a:pPr algn="ctr"/>
+                      <a:r>
+                        <a:rPr lang="hr-HR" dirty="0" smtClean="0"/>
+                        <a:t>97.04%</a:t>
+                      </a:r>
+                      <a:endParaRPr lang="en-GB" dirty="0"/>
+                    </a:p>
+                  </a:txBody>
+                  <a:tcPr/>
+                </a:tc>
+                <a:extLst>
+                  <a:ext uri="{0D108BD9-81ED-4DB2-BD59-A6C34878D82A}">
+                    <a16:rowId xmlns:a16="http://schemas.microsoft.com/office/drawing/2014/main" val="1821046544"/>
+                  </a:ext>
+                </a:extLst>
+              </a:tr>
+            </a:tbl>
+          </a:graphicData>
+        </a:graphic>
+      </p:graphicFrame>
+      <p:sp>
+        <p:nvSpPr>
+          <p:cNvPr id="6" name="TextBox 5"/>
+          <p:cNvSpPr txBox="1"/>
+          <p:nvPr/>
+        </p:nvSpPr>
+        <p:spPr>
+          <a:xfrm>
+            <a:off x="3891054" y="2217090"/>
+            <a:ext cx="4304581" cy="369332"/>
+          </a:xfrm>
+          <a:prstGeom prst="rect">
+            <a:avLst/>
+          </a:prstGeom>
+          <a:noFill/>
+        </p:spPr>
+        <p:txBody>
+          <a:bodyPr wrap="square" rtlCol="0">
+            <a:spAutoFit/>
+          </a:bodyPr>
+          <a:lstStyle/>
+          <a:p>
+            <a:pPr algn="ctr"/>
+            <a:r>
+              <a:rPr lang="hr-HR" dirty="0" smtClean="0"/>
+              <a:t>Rezultati na skupu za </a:t>
+            </a:r>
+            <a:r>
+              <a:rPr lang="hr-HR" dirty="0" smtClean="0"/>
+              <a:t>validaciju</a:t>
+            </a:r>
+            <a:endParaRPr lang="en-GB" dirty="0"/>
           </a:p>
         </p:txBody>
       </p:sp>
